--- a/WebLecture/Lecture16-Javascript7.pptx
+++ b/WebLecture/Lecture16-Javascript7.pptx
@@ -222,7 +222,7 @@
             <a:fld id="{8BEFEC64-3B02-48AC-B709-B2823D518D38}" type="datetimeFigureOut">
               <a:rPr lang="zh-CN" altLang="en-US" smtClean="0"/>
               <a:pPr/>
-              <a:t>2022/3/25</a:t>
+              <a:t>2022/3/26</a:t>
             </a:fld>
             <a:endParaRPr lang="zh-CN" altLang="en-US" dirty="0"/>
           </a:p>
@@ -623,7 +623,7 @@
           <a:p>
             <a:fld id="{82F288E0-7875-42C4-84C8-98DBBD3BF4D2}" type="datetimeFigureOut">
               <a:rPr lang="zh-CN" altLang="en-US" smtClean="0"/>
-              <a:t>2022/3/25</a:t>
+              <a:t>2022/3/26</a:t>
             </a:fld>
             <a:endParaRPr lang="zh-CN" altLang="en-US"/>
           </a:p>
@@ -769,7 +769,7 @@
           <a:p>
             <a:fld id="{82F288E0-7875-42C4-84C8-98DBBD3BF4D2}" type="datetimeFigureOut">
               <a:rPr lang="zh-CN" altLang="en-US" smtClean="0"/>
-              <a:t>2022/3/25</a:t>
+              <a:t>2022/3/26</a:t>
             </a:fld>
             <a:endParaRPr lang="zh-CN" altLang="en-US"/>
           </a:p>
@@ -932,7 +932,7 @@
           <a:p>
             <a:fld id="{82F288E0-7875-42C4-84C8-98DBBD3BF4D2}" type="datetimeFigureOut">
               <a:rPr lang="zh-CN" altLang="en-US" smtClean="0"/>
-              <a:t>2022/3/25</a:t>
+              <a:t>2022/3/26</a:t>
             </a:fld>
             <a:endParaRPr lang="zh-CN" altLang="en-US"/>
           </a:p>
@@ -1172,7 +1172,7 @@
           <a:p>
             <a:fld id="{82F288E0-7875-42C4-84C8-98DBBD3BF4D2}" type="datetimeFigureOut">
               <a:rPr lang="zh-CN" altLang="en-US" smtClean="0"/>
-              <a:t>2022/3/25</a:t>
+              <a:t>2022/3/26</a:t>
             </a:fld>
             <a:endParaRPr lang="zh-CN" altLang="en-US"/>
           </a:p>
@@ -1396,7 +1396,7 @@
           <a:p>
             <a:fld id="{82F288E0-7875-42C4-84C8-98DBBD3BF4D2}" type="datetimeFigureOut">
               <a:rPr lang="zh-CN" altLang="en-US" smtClean="0"/>
-              <a:t>2022/3/25</a:t>
+              <a:t>2022/3/26</a:t>
             </a:fld>
             <a:endParaRPr lang="zh-CN" altLang="en-US"/>
           </a:p>
@@ -1755,7 +1755,7 @@
           <a:p>
             <a:fld id="{82F288E0-7875-42C4-84C8-98DBBD3BF4D2}" type="datetimeFigureOut">
               <a:rPr lang="zh-CN" altLang="en-US" smtClean="0"/>
-              <a:t>2022/3/25</a:t>
+              <a:t>2022/3/26</a:t>
             </a:fld>
             <a:endParaRPr lang="zh-CN" altLang="en-US"/>
           </a:p>
@@ -1867,7 +1867,7 @@
           <a:p>
             <a:fld id="{82F288E0-7875-42C4-84C8-98DBBD3BF4D2}" type="datetimeFigureOut">
               <a:rPr lang="zh-CN" altLang="en-US" smtClean="0"/>
-              <a:t>2022/3/25</a:t>
+              <a:t>2022/3/26</a:t>
             </a:fld>
             <a:endParaRPr lang="zh-CN" altLang="en-US"/>
           </a:p>
@@ -1957,7 +1957,7 @@
           <a:p>
             <a:fld id="{82F288E0-7875-42C4-84C8-98DBBD3BF4D2}" type="datetimeFigureOut">
               <a:rPr lang="zh-CN" altLang="en-US" smtClean="0"/>
-              <a:t>2022/3/25</a:t>
+              <a:t>2022/3/26</a:t>
             </a:fld>
             <a:endParaRPr lang="zh-CN" altLang="en-US"/>
           </a:p>
@@ -2204,7 +2204,7 @@
           <a:p>
             <a:fld id="{82F288E0-7875-42C4-84C8-98DBBD3BF4D2}" type="datetimeFigureOut">
               <a:rPr lang="zh-CN" altLang="en-US" smtClean="0"/>
-              <a:t>2022/3/25</a:t>
+              <a:t>2022/3/26</a:t>
             </a:fld>
             <a:endParaRPr lang="zh-CN" altLang="en-US"/>
           </a:p>
@@ -2377,7 +2377,7 @@
           <a:p>
             <a:fld id="{82F288E0-7875-42C4-84C8-98DBBD3BF4D2}" type="datetimeFigureOut">
               <a:rPr lang="zh-CN" altLang="en-US" smtClean="0"/>
-              <a:t>2022/3/25</a:t>
+              <a:t>2022/3/26</a:t>
             </a:fld>
             <a:endParaRPr lang="zh-CN" altLang="en-US"/>
           </a:p>
@@ -2591,7 +2591,7 @@
             <a:fld id="{82F288E0-7875-42C4-84C8-98DBBD3BF4D2}" type="datetimeFigureOut">
               <a:rPr lang="zh-CN" altLang="en-US" smtClean="0"/>
               <a:pPr/>
-              <a:t>2022/3/25</a:t>
+              <a:t>2022/3/26</a:t>
             </a:fld>
             <a:endParaRPr lang="zh-CN" altLang="en-US" dirty="0"/>
           </a:p>
@@ -4876,7 +4876,7 @@
                 <a:latin typeface="Microsoft YaHei" panose="020B0503020204020204" pitchFamily="34" charset="-122"/>
                 <a:ea typeface="Microsoft YaHei" panose="020B0503020204020204" pitchFamily="34" charset="-122"/>
               </a:rPr>
-              <a:t>Displaying Data</a:t>
+              <a:t>Displaying Date</a:t>
             </a:r>
             <a:r>
               <a:rPr lang="en-US" altLang="zh-CN" sz="3600" dirty="0">
@@ -15954,7 +15954,7 @@
                 </a:solidFill>
                 <a:latin typeface="Segoe UI" panose="020B0502040204020203" pitchFamily="34" charset="0"/>
               </a:rPr>
-              <a:t>reate Data Objects</a:t>
+              <a:t>reate Date Objects</a:t>
             </a:r>
             <a:endParaRPr lang="en-CA" sz="3600" dirty="0">
               <a:solidFill>
@@ -16029,12 +16029,25 @@
                   <a:noFill/>
                 </a:ln>
                 <a:solidFill>
-                  <a:schemeClr val="bg1"/>
+                  <a:srgbClr val="FF0000"/>
                 </a:solidFill>
                 <a:effectLst/>
                 <a:latin typeface="Consolas" panose="020B0609020204030204" pitchFamily="49" charset="0"/>
               </a:rPr>
-              <a:t>new </a:t>
+              <a:t>new</a:t>
+            </a:r>
+            <a:r>
+              <a:rPr kumimoji="0" lang="en-US" altLang="en-US" sz="2400" b="0" i="0" u="none" strike="noStrike" cap="none" normalizeH="0" baseline="0" dirty="0">
+                <a:ln>
+                  <a:noFill/>
+                </a:ln>
+                <a:solidFill>
+                  <a:schemeClr val="bg1"/>
+                </a:solidFill>
+                <a:effectLst/>
+                <a:latin typeface="Consolas" panose="020B0609020204030204" pitchFamily="49" charset="0"/>
+              </a:rPr>
+              <a:t> </a:t>
             </a:r>
             <a:r>
               <a:rPr kumimoji="0" lang="en-US" altLang="en-US" sz="2400" b="0" i="0" u="none" strike="noStrike" cap="none" normalizeH="0" baseline="0" dirty="0">
